--- a/121/IEPG/Swisscom Network Analytics Network Incident Postmortem.pptx
+++ b/121/IEPG/Swisscom Network Analytics Network Incident Postmortem.pptx
@@ -138,7 +138,7 @@
   <pc:docChgLst>
     <pc:chgData name="Graf Thomas, INI-NET-VNC-HCS" userId="487bc3e3-9ce7-4cdd-b7b4-8899ea88d289" providerId="ADAL" clId="{6EF469F3-056E-45B1-B32A-67A5647136F7}"/>
     <pc:docChg chg="undo redo custSel addSld delSld modSld sldOrd">
-      <pc:chgData name="Graf Thomas, INI-NET-VNC-HCS" userId="487bc3e3-9ce7-4cdd-b7b4-8899ea88d289" providerId="ADAL" clId="{6EF469F3-056E-45B1-B32A-67A5647136F7}" dt="2024-11-02T08:16:15.953" v="1030" actId="14100"/>
+      <pc:chgData name="Graf Thomas, INI-NET-VNC-HCS" userId="487bc3e3-9ce7-4cdd-b7b4-8899ea88d289" providerId="ADAL" clId="{6EF469F3-056E-45B1-B32A-67A5647136F7}" dt="2024-11-02T08:21:29.340" v="1071" actId="207"/>
       <pc:docMkLst>
         <pc:docMk/>
       </pc:docMkLst>
@@ -289,7 +289,7 @@
         </pc:sldMkLst>
       </pc:sldChg>
       <pc:sldChg chg="addSp delSp modSp add mod">
-        <pc:chgData name="Graf Thomas, INI-NET-VNC-HCS" userId="487bc3e3-9ce7-4cdd-b7b4-8899ea88d289" providerId="ADAL" clId="{6EF469F3-056E-45B1-B32A-67A5647136F7}" dt="2024-11-02T08:16:15.953" v="1030" actId="14100"/>
+        <pc:chgData name="Graf Thomas, INI-NET-VNC-HCS" userId="487bc3e3-9ce7-4cdd-b7b4-8899ea88d289" providerId="ADAL" clId="{6EF469F3-056E-45B1-B32A-67A5647136F7}" dt="2024-11-02T08:21:29.340" v="1071" actId="207"/>
         <pc:sldMkLst>
           <pc:docMk/>
           <pc:sldMk cId="1336863920" sldId="2145706266"/>
@@ -335,7 +335,7 @@
           </ac:spMkLst>
         </pc:spChg>
         <pc:spChg chg="mod">
-          <ac:chgData name="Graf Thomas, INI-NET-VNC-HCS" userId="487bc3e3-9ce7-4cdd-b7b4-8899ea88d289" providerId="ADAL" clId="{6EF469F3-056E-45B1-B32A-67A5647136F7}" dt="2024-11-02T08:16:15.953" v="1030" actId="14100"/>
+          <ac:chgData name="Graf Thomas, INI-NET-VNC-HCS" userId="487bc3e3-9ce7-4cdd-b7b4-8899ea88d289" providerId="ADAL" clId="{6EF469F3-056E-45B1-B32A-67A5647136F7}" dt="2024-11-02T08:21:29.340" v="1071" actId="207"/>
           <ac:spMkLst>
             <pc:docMk/>
             <pc:sldMk cId="1336863920" sldId="2145706266"/>
@@ -7594,7 +7594,7 @@
               <a:rPr lang="en-US" sz="2500" b="1" dirty="0">
                 <a:latin typeface="+mj-lt"/>
               </a:rPr>
-              <a:t>You are interested to see another Network Analytics Network Incident Postmortems?</a:t>
+              <a:t>You are interested to see another Network Analytics Network Incident Postmortem?</a:t>
             </a:r>
             <a:r>
               <a:rPr lang="en-US" sz="2500" dirty="0">
@@ -7604,18 +7604,18 @@
             </a:r>
             <a:r>
               <a:rPr lang="en-US" sz="2500" b="1" dirty="0">
+                <a:solidFill>
+                  <a:srgbClr val="FF0000"/>
+                </a:solidFill>
                 <a:latin typeface="+mj-lt"/>
               </a:rPr>
-              <a:t>Please consider to attend </a:t>
+              <a:t>SRv6OPS working group session on Tuesday 16:30 – 17:30 </a:t>
             </a:r>
             <a:r>
               <a:rPr lang="en-US" sz="2500" b="1" dirty="0">
-                <a:solidFill>
-                  <a:srgbClr val="FF0000"/>
-                </a:solidFill>
                 <a:latin typeface="+mj-lt"/>
               </a:rPr>
-              <a:t>SRv6OPS working group session on Tuesday 16:30 – 17:30.</a:t>
+              <a:t>is the place to be.</a:t>
             </a:r>
           </a:p>
           <a:p>
@@ -7721,7 +7721,7 @@
               <a:rPr lang="en-US" sz="2500" b="1" dirty="0">
                 <a:latin typeface="+mj-lt"/>
               </a:rPr>
-              <a:t>and learn more? Please attend </a:t>
+              <a:t>and learn more? Head to the </a:t>
             </a:r>
             <a:r>
               <a:rPr lang="en-US" sz="2500" b="1" dirty="0">
@@ -7730,13 +7730,13 @@
                 </a:solidFill>
                 <a:latin typeface="+mj-lt"/>
               </a:rPr>
-              <a:t>NMOP working group session on Tuesday 09:30 – 11:30, 18:00 – 19:00 </a:t>
+              <a:t>NMOP working group session on Tuesday 09:30 – 11:30, 18:00 – 19:00 for the hackathon related experiments </a:t>
             </a:r>
             <a:r>
               <a:rPr lang="en-US" sz="2500" b="1" dirty="0">
                 <a:latin typeface="+mj-lt"/>
               </a:rPr>
-              <a:t>for the hackathon related experiments or go onto the mailing list and contribute to the discussion.</a:t>
+              <a:t>or go onto the mailing list and contribute to the discussion.</a:t>
             </a:r>
           </a:p>
         </p:txBody>
